--- a/SoftwareProjectPresentation.pptx
+++ b/SoftwareProjectPresentation.pptx
@@ -4,6 +4,9 @@
   <p:sldMasterIdLst>
     <p:sldMasterId id="2147483660" r:id="rId1"/>
   </p:sldMasterIdLst>
+  <p:notesMasterIdLst>
+    <p:notesMasterId r:id="rId12"/>
+  </p:notesMasterIdLst>
   <p:sldIdLst>
     <p:sldId id="256" r:id="rId2"/>
     <p:sldId id="257" r:id="rId3"/>
@@ -11,8 +14,8 @@
     <p:sldId id="260" r:id="rId5"/>
     <p:sldId id="258" r:id="rId6"/>
     <p:sldId id="262" r:id="rId7"/>
-    <p:sldId id="263" r:id="rId8"/>
-    <p:sldId id="264" r:id="rId9"/>
+    <p:sldId id="264" r:id="rId8"/>
+    <p:sldId id="263" r:id="rId9"/>
     <p:sldId id="265" r:id="rId10"/>
     <p:sldId id="266" r:id="rId11"/>
   </p:sldIdLst>
@@ -114,6 +117,1248 @@
     </a:lvl9pPr>
   </p:defaultTextStyle>
 </p:presentation>
+</file>
+
+<file path=ppt/notesMasters/notesMaster1.xml><?xml version="1.0" encoding="utf-8"?>
+<p:notesMaster xmlns:a="http://schemas.openxmlformats.org/drawingml/2006/main" xmlns:r="http://schemas.openxmlformats.org/officeDocument/2006/relationships" xmlns:p="http://schemas.openxmlformats.org/presentationml/2006/main">
+  <p:cSld>
+    <p:bg>
+      <p:bgRef idx="1001">
+        <a:schemeClr val="bg1"/>
+      </p:bgRef>
+    </p:bg>
+    <p:spTree>
+      <p:nvGrpSpPr>
+        <p:cNvPr id="1" name=""/>
+        <p:cNvGrpSpPr/>
+        <p:nvPr/>
+      </p:nvGrpSpPr>
+      <p:grpSpPr>
+        <a:xfrm>
+          <a:off x="0" y="0"/>
+          <a:ext cx="0" cy="0"/>
+          <a:chOff x="0" y="0"/>
+          <a:chExt cx="0" cy="0"/>
+        </a:xfrm>
+      </p:grpSpPr>
+      <p:sp>
+        <p:nvSpPr>
+          <p:cNvPr id="2" name="Header Placeholder 1"/>
+          <p:cNvSpPr>
+            <a:spLocks noGrp="1"/>
+          </p:cNvSpPr>
+          <p:nvPr>
+            <p:ph type="hdr" sz="quarter"/>
+          </p:nvPr>
+        </p:nvSpPr>
+        <p:spPr>
+          <a:xfrm>
+            <a:off x="0" y="0"/>
+            <a:ext cx="2971800" cy="457200"/>
+          </a:xfrm>
+          <a:prstGeom prst="rect">
+            <a:avLst/>
+          </a:prstGeom>
+        </p:spPr>
+        <p:txBody>
+          <a:bodyPr vert="horz" lIns="91440" tIns="45720" rIns="91440" bIns="45720" rtlCol="0"/>
+          <a:lstStyle>
+            <a:lvl1pPr algn="l">
+              <a:defRPr sz="1200"/>
+            </a:lvl1pPr>
+          </a:lstStyle>
+          <a:p>
+            <a:endParaRPr lang="en-US"/>
+          </a:p>
+        </p:txBody>
+      </p:sp>
+      <p:sp>
+        <p:nvSpPr>
+          <p:cNvPr id="3" name="Date Placeholder 2"/>
+          <p:cNvSpPr>
+            <a:spLocks noGrp="1"/>
+          </p:cNvSpPr>
+          <p:nvPr>
+            <p:ph type="dt" idx="1"/>
+          </p:nvPr>
+        </p:nvSpPr>
+        <p:spPr>
+          <a:xfrm>
+            <a:off x="3884613" y="0"/>
+            <a:ext cx="2971800" cy="457200"/>
+          </a:xfrm>
+          <a:prstGeom prst="rect">
+            <a:avLst/>
+          </a:prstGeom>
+        </p:spPr>
+        <p:txBody>
+          <a:bodyPr vert="horz" lIns="91440" tIns="45720" rIns="91440" bIns="45720" rtlCol="0"/>
+          <a:lstStyle>
+            <a:lvl1pPr algn="r">
+              <a:defRPr sz="1200"/>
+            </a:lvl1pPr>
+          </a:lstStyle>
+          <a:p>
+            <a:fld id="{C4011391-8C96-4C74-B447-FB70C61CFFDB}" type="datetimeFigureOut">
+              <a:rPr lang="en-US" smtClean="0"/>
+              <a:t>12/8/2014</a:t>
+            </a:fld>
+            <a:endParaRPr lang="en-US"/>
+          </a:p>
+        </p:txBody>
+      </p:sp>
+      <p:sp>
+        <p:nvSpPr>
+          <p:cNvPr id="4" name="Slide Image Placeholder 3"/>
+          <p:cNvSpPr>
+            <a:spLocks noGrp="1" noRot="1" noChangeAspect="1"/>
+          </p:cNvSpPr>
+          <p:nvPr>
+            <p:ph type="sldImg" idx="2"/>
+          </p:nvPr>
+        </p:nvSpPr>
+        <p:spPr>
+          <a:xfrm>
+            <a:off x="1143000" y="685800"/>
+            <a:ext cx="4572000" cy="3429000"/>
+          </a:xfrm>
+          <a:prstGeom prst="rect">
+            <a:avLst/>
+          </a:prstGeom>
+          <a:noFill/>
+          <a:ln w="12700">
+            <a:solidFill>
+              <a:prstClr val="black"/>
+            </a:solidFill>
+          </a:ln>
+        </p:spPr>
+        <p:txBody>
+          <a:bodyPr vert="horz" lIns="91440" tIns="45720" rIns="91440" bIns="45720" rtlCol="0" anchor="ctr"/>
+          <a:lstStyle/>
+          <a:p>
+            <a:endParaRPr lang="en-US"/>
+          </a:p>
+        </p:txBody>
+      </p:sp>
+      <p:sp>
+        <p:nvSpPr>
+          <p:cNvPr id="5" name="Notes Placeholder 4"/>
+          <p:cNvSpPr>
+            <a:spLocks noGrp="1"/>
+          </p:cNvSpPr>
+          <p:nvPr>
+            <p:ph type="body" sz="quarter" idx="3"/>
+          </p:nvPr>
+        </p:nvSpPr>
+        <p:spPr>
+          <a:xfrm>
+            <a:off x="685800" y="4343400"/>
+            <a:ext cx="5486400" cy="4114800"/>
+          </a:xfrm>
+          <a:prstGeom prst="rect">
+            <a:avLst/>
+          </a:prstGeom>
+        </p:spPr>
+        <p:txBody>
+          <a:bodyPr vert="horz" lIns="91440" tIns="45720" rIns="91440" bIns="45720" rtlCol="0"/>
+          <a:lstStyle/>
+          <a:p>
+            <a:pPr lvl="0"/>
+            <a:r>
+              <a:rPr lang="en-US" smtClean="0"/>
+              <a:t>Click to edit Master text styles</a:t>
+            </a:r>
+          </a:p>
+          <a:p>
+            <a:pPr lvl="1"/>
+            <a:r>
+              <a:rPr lang="en-US" smtClean="0"/>
+              <a:t>Second level</a:t>
+            </a:r>
+          </a:p>
+          <a:p>
+            <a:pPr lvl="2"/>
+            <a:r>
+              <a:rPr lang="en-US" smtClean="0"/>
+              <a:t>Third level</a:t>
+            </a:r>
+          </a:p>
+          <a:p>
+            <a:pPr lvl="3"/>
+            <a:r>
+              <a:rPr lang="en-US" smtClean="0"/>
+              <a:t>Fourth level</a:t>
+            </a:r>
+          </a:p>
+          <a:p>
+            <a:pPr lvl="4"/>
+            <a:r>
+              <a:rPr lang="en-US" smtClean="0"/>
+              <a:t>Fifth level</a:t>
+            </a:r>
+            <a:endParaRPr lang="en-US"/>
+          </a:p>
+        </p:txBody>
+      </p:sp>
+      <p:sp>
+        <p:nvSpPr>
+          <p:cNvPr id="6" name="Footer Placeholder 5"/>
+          <p:cNvSpPr>
+            <a:spLocks noGrp="1"/>
+          </p:cNvSpPr>
+          <p:nvPr>
+            <p:ph type="ftr" sz="quarter" idx="4"/>
+          </p:nvPr>
+        </p:nvSpPr>
+        <p:spPr>
+          <a:xfrm>
+            <a:off x="0" y="8685213"/>
+            <a:ext cx="2971800" cy="457200"/>
+          </a:xfrm>
+          <a:prstGeom prst="rect">
+            <a:avLst/>
+          </a:prstGeom>
+        </p:spPr>
+        <p:txBody>
+          <a:bodyPr vert="horz" lIns="91440" tIns="45720" rIns="91440" bIns="45720" rtlCol="0" anchor="b"/>
+          <a:lstStyle>
+            <a:lvl1pPr algn="l">
+              <a:defRPr sz="1200"/>
+            </a:lvl1pPr>
+          </a:lstStyle>
+          <a:p>
+            <a:endParaRPr lang="en-US"/>
+          </a:p>
+        </p:txBody>
+      </p:sp>
+      <p:sp>
+        <p:nvSpPr>
+          <p:cNvPr id="7" name="Slide Number Placeholder 6"/>
+          <p:cNvSpPr>
+            <a:spLocks noGrp="1"/>
+          </p:cNvSpPr>
+          <p:nvPr>
+            <p:ph type="sldNum" sz="quarter" idx="5"/>
+          </p:nvPr>
+        </p:nvSpPr>
+        <p:spPr>
+          <a:xfrm>
+            <a:off x="3884613" y="8685213"/>
+            <a:ext cx="2971800" cy="457200"/>
+          </a:xfrm>
+          <a:prstGeom prst="rect">
+            <a:avLst/>
+          </a:prstGeom>
+        </p:spPr>
+        <p:txBody>
+          <a:bodyPr vert="horz" lIns="91440" tIns="45720" rIns="91440" bIns="45720" rtlCol="0" anchor="b"/>
+          <a:lstStyle>
+            <a:lvl1pPr algn="r">
+              <a:defRPr sz="1200"/>
+            </a:lvl1pPr>
+          </a:lstStyle>
+          <a:p>
+            <a:fld id="{D97DACBB-C1EC-44A4-A369-2D47DEB10D13}" type="slidenum">
+              <a:rPr lang="en-US" smtClean="0"/>
+              <a:t>‹#›</a:t>
+            </a:fld>
+            <a:endParaRPr lang="en-US"/>
+          </a:p>
+        </p:txBody>
+      </p:sp>
+    </p:spTree>
+    <p:extLst>
+      <p:ext uri="{BB962C8B-B14F-4D97-AF65-F5344CB8AC3E}">
+        <p14:creationId xmlns:p14="http://schemas.microsoft.com/office/powerpoint/2010/main" val="422689648"/>
+      </p:ext>
+    </p:extLst>
+  </p:cSld>
+  <p:clrMap bg1="lt1" tx1="dk1" bg2="lt2" tx2="dk2" accent1="accent1" accent2="accent2" accent3="accent3" accent4="accent4" accent5="accent5" accent6="accent6" hlink="hlink" folHlink="folHlink"/>
+  <p:notesStyle>
+    <a:lvl1pPr marL="0" algn="l" defTabSz="914400" rtl="0" eaLnBrk="1" latinLnBrk="0" hangingPunct="1">
+      <a:defRPr sz="1200" kern="1200">
+        <a:solidFill>
+          <a:schemeClr val="tx1"/>
+        </a:solidFill>
+        <a:latin typeface="+mn-lt"/>
+        <a:ea typeface="+mn-ea"/>
+        <a:cs typeface="+mn-cs"/>
+      </a:defRPr>
+    </a:lvl1pPr>
+    <a:lvl2pPr marL="457200" algn="l" defTabSz="914400" rtl="0" eaLnBrk="1" latinLnBrk="0" hangingPunct="1">
+      <a:defRPr sz="1200" kern="1200">
+        <a:solidFill>
+          <a:schemeClr val="tx1"/>
+        </a:solidFill>
+        <a:latin typeface="+mn-lt"/>
+        <a:ea typeface="+mn-ea"/>
+        <a:cs typeface="+mn-cs"/>
+      </a:defRPr>
+    </a:lvl2pPr>
+    <a:lvl3pPr marL="914400" algn="l" defTabSz="914400" rtl="0" eaLnBrk="1" latinLnBrk="0" hangingPunct="1">
+      <a:defRPr sz="1200" kern="1200">
+        <a:solidFill>
+          <a:schemeClr val="tx1"/>
+        </a:solidFill>
+        <a:latin typeface="+mn-lt"/>
+        <a:ea typeface="+mn-ea"/>
+        <a:cs typeface="+mn-cs"/>
+      </a:defRPr>
+    </a:lvl3pPr>
+    <a:lvl4pPr marL="1371600" algn="l" defTabSz="914400" rtl="0" eaLnBrk="1" latinLnBrk="0" hangingPunct="1">
+      <a:defRPr sz="1200" kern="1200">
+        <a:solidFill>
+          <a:schemeClr val="tx1"/>
+        </a:solidFill>
+        <a:latin typeface="+mn-lt"/>
+        <a:ea typeface="+mn-ea"/>
+        <a:cs typeface="+mn-cs"/>
+      </a:defRPr>
+    </a:lvl4pPr>
+    <a:lvl5pPr marL="1828800" algn="l" defTabSz="914400" rtl="0" eaLnBrk="1" latinLnBrk="0" hangingPunct="1">
+      <a:defRPr sz="1200" kern="1200">
+        <a:solidFill>
+          <a:schemeClr val="tx1"/>
+        </a:solidFill>
+        <a:latin typeface="+mn-lt"/>
+        <a:ea typeface="+mn-ea"/>
+        <a:cs typeface="+mn-cs"/>
+      </a:defRPr>
+    </a:lvl5pPr>
+    <a:lvl6pPr marL="2286000" algn="l" defTabSz="914400" rtl="0" eaLnBrk="1" latinLnBrk="0" hangingPunct="1">
+      <a:defRPr sz="1200" kern="1200">
+        <a:solidFill>
+          <a:schemeClr val="tx1"/>
+        </a:solidFill>
+        <a:latin typeface="+mn-lt"/>
+        <a:ea typeface="+mn-ea"/>
+        <a:cs typeface="+mn-cs"/>
+      </a:defRPr>
+    </a:lvl6pPr>
+    <a:lvl7pPr marL="2743200" algn="l" defTabSz="914400" rtl="0" eaLnBrk="1" latinLnBrk="0" hangingPunct="1">
+      <a:defRPr sz="1200" kern="1200">
+        <a:solidFill>
+          <a:schemeClr val="tx1"/>
+        </a:solidFill>
+        <a:latin typeface="+mn-lt"/>
+        <a:ea typeface="+mn-ea"/>
+        <a:cs typeface="+mn-cs"/>
+      </a:defRPr>
+    </a:lvl7pPr>
+    <a:lvl8pPr marL="3200400" algn="l" defTabSz="914400" rtl="0" eaLnBrk="1" latinLnBrk="0" hangingPunct="1">
+      <a:defRPr sz="1200" kern="1200">
+        <a:solidFill>
+          <a:schemeClr val="tx1"/>
+        </a:solidFill>
+        <a:latin typeface="+mn-lt"/>
+        <a:ea typeface="+mn-ea"/>
+        <a:cs typeface="+mn-cs"/>
+      </a:defRPr>
+    </a:lvl8pPr>
+    <a:lvl9pPr marL="3657600" algn="l" defTabSz="914400" rtl="0" eaLnBrk="1" latinLnBrk="0" hangingPunct="1">
+      <a:defRPr sz="1200" kern="1200">
+        <a:solidFill>
+          <a:schemeClr val="tx1"/>
+        </a:solidFill>
+        <a:latin typeface="+mn-lt"/>
+        <a:ea typeface="+mn-ea"/>
+        <a:cs typeface="+mn-cs"/>
+      </a:defRPr>
+    </a:lvl9pPr>
+  </p:notesStyle>
+</p:notesMaster>
+</file>
+
+<file path=ppt/notesSlides/notesSlide1.xml><?xml version="1.0" encoding="utf-8"?>
+<p:notes xmlns:a="http://schemas.openxmlformats.org/drawingml/2006/main" xmlns:r="http://schemas.openxmlformats.org/officeDocument/2006/relationships" xmlns:p="http://schemas.openxmlformats.org/presentationml/2006/main">
+  <p:cSld>
+    <p:spTree>
+      <p:nvGrpSpPr>
+        <p:cNvPr id="1" name=""/>
+        <p:cNvGrpSpPr/>
+        <p:nvPr/>
+      </p:nvGrpSpPr>
+      <p:grpSpPr>
+        <a:xfrm>
+          <a:off x="0" y="0"/>
+          <a:ext cx="0" cy="0"/>
+          <a:chOff x="0" y="0"/>
+          <a:chExt cx="0" cy="0"/>
+        </a:xfrm>
+      </p:grpSpPr>
+      <p:sp>
+        <p:nvSpPr>
+          <p:cNvPr id="2" name="Slide Image Placeholder 1"/>
+          <p:cNvSpPr>
+            <a:spLocks noGrp="1" noRot="1" noChangeAspect="1"/>
+          </p:cNvSpPr>
+          <p:nvPr>
+            <p:ph type="sldImg"/>
+          </p:nvPr>
+        </p:nvSpPr>
+        <p:spPr/>
+      </p:sp>
+      <p:sp>
+        <p:nvSpPr>
+          <p:cNvPr id="3" name="Notes Placeholder 2"/>
+          <p:cNvSpPr>
+            <a:spLocks noGrp="1"/>
+          </p:cNvSpPr>
+          <p:nvPr>
+            <p:ph type="body" idx="1"/>
+          </p:nvPr>
+        </p:nvSpPr>
+        <p:spPr/>
+        <p:txBody>
+          <a:bodyPr/>
+          <a:lstStyle/>
+          <a:p>
+            <a:r>
+              <a:rPr lang="en-US" dirty="0" smtClean="0"/>
+              <a:t>Alex:</a:t>
+            </a:r>
+            <a:r>
+              <a:rPr lang="en-US" baseline="0" dirty="0" smtClean="0"/>
+              <a:t> Introduce us. </a:t>
+            </a:r>
+            <a:r>
+              <a:rPr lang="en-US" dirty="0" smtClean="0"/>
+              <a:t>Talk about what project actually is.</a:t>
+            </a:r>
+            <a:endParaRPr lang="en-US" dirty="0"/>
+          </a:p>
+        </p:txBody>
+      </p:sp>
+      <p:sp>
+        <p:nvSpPr>
+          <p:cNvPr id="4" name="Slide Number Placeholder 3"/>
+          <p:cNvSpPr>
+            <a:spLocks noGrp="1"/>
+          </p:cNvSpPr>
+          <p:nvPr>
+            <p:ph type="sldNum" sz="quarter" idx="10"/>
+          </p:nvPr>
+        </p:nvSpPr>
+        <p:spPr/>
+        <p:txBody>
+          <a:bodyPr/>
+          <a:lstStyle/>
+          <a:p>
+            <a:fld id="{D97DACBB-C1EC-44A4-A369-2D47DEB10D13}" type="slidenum">
+              <a:rPr lang="en-US" smtClean="0"/>
+              <a:t>1</a:t>
+            </a:fld>
+            <a:endParaRPr lang="en-US"/>
+          </a:p>
+        </p:txBody>
+      </p:sp>
+    </p:spTree>
+    <p:extLst>
+      <p:ext uri="{BB962C8B-B14F-4D97-AF65-F5344CB8AC3E}">
+        <p14:creationId xmlns:p14="http://schemas.microsoft.com/office/powerpoint/2010/main" val="3244890526"/>
+      </p:ext>
+    </p:extLst>
+  </p:cSld>
+  <p:clrMapOvr>
+    <a:masterClrMapping/>
+  </p:clrMapOvr>
+</p:notes>
+</file>
+
+<file path=ppt/notesSlides/notesSlide10.xml><?xml version="1.0" encoding="utf-8"?>
+<p:notes xmlns:a="http://schemas.openxmlformats.org/drawingml/2006/main" xmlns:r="http://schemas.openxmlformats.org/officeDocument/2006/relationships" xmlns:p="http://schemas.openxmlformats.org/presentationml/2006/main">
+  <p:cSld>
+    <p:spTree>
+      <p:nvGrpSpPr>
+        <p:cNvPr id="1" name=""/>
+        <p:cNvGrpSpPr/>
+        <p:nvPr/>
+      </p:nvGrpSpPr>
+      <p:grpSpPr>
+        <a:xfrm>
+          <a:off x="0" y="0"/>
+          <a:ext cx="0" cy="0"/>
+          <a:chOff x="0" y="0"/>
+          <a:chExt cx="0" cy="0"/>
+        </a:xfrm>
+      </p:grpSpPr>
+      <p:sp>
+        <p:nvSpPr>
+          <p:cNvPr id="2" name="Slide Image Placeholder 1"/>
+          <p:cNvSpPr>
+            <a:spLocks noGrp="1" noRot="1" noChangeAspect="1"/>
+          </p:cNvSpPr>
+          <p:nvPr>
+            <p:ph type="sldImg"/>
+          </p:nvPr>
+        </p:nvSpPr>
+        <p:spPr/>
+      </p:sp>
+      <p:sp>
+        <p:nvSpPr>
+          <p:cNvPr id="3" name="Notes Placeholder 2"/>
+          <p:cNvSpPr>
+            <a:spLocks noGrp="1"/>
+          </p:cNvSpPr>
+          <p:nvPr>
+            <p:ph type="body" idx="1"/>
+          </p:nvPr>
+        </p:nvSpPr>
+        <p:spPr/>
+        <p:txBody>
+          <a:bodyPr/>
+          <a:lstStyle/>
+          <a:p>
+            <a:r>
+              <a:rPr lang="en-US" dirty="0" smtClean="0"/>
+              <a:t>Alex</a:t>
+            </a:r>
+            <a:endParaRPr lang="en-US" dirty="0"/>
+          </a:p>
+        </p:txBody>
+      </p:sp>
+      <p:sp>
+        <p:nvSpPr>
+          <p:cNvPr id="4" name="Slide Number Placeholder 3"/>
+          <p:cNvSpPr>
+            <a:spLocks noGrp="1"/>
+          </p:cNvSpPr>
+          <p:nvPr>
+            <p:ph type="sldNum" sz="quarter" idx="10"/>
+          </p:nvPr>
+        </p:nvSpPr>
+        <p:spPr/>
+        <p:txBody>
+          <a:bodyPr/>
+          <a:lstStyle/>
+          <a:p>
+            <a:fld id="{D97DACBB-C1EC-44A4-A369-2D47DEB10D13}" type="slidenum">
+              <a:rPr lang="en-US" smtClean="0"/>
+              <a:t>10</a:t>
+            </a:fld>
+            <a:endParaRPr lang="en-US"/>
+          </a:p>
+        </p:txBody>
+      </p:sp>
+    </p:spTree>
+    <p:extLst>
+      <p:ext uri="{BB962C8B-B14F-4D97-AF65-F5344CB8AC3E}">
+        <p14:creationId xmlns:p14="http://schemas.microsoft.com/office/powerpoint/2010/main" val="1217401070"/>
+      </p:ext>
+    </p:extLst>
+  </p:cSld>
+  <p:clrMapOvr>
+    <a:masterClrMapping/>
+  </p:clrMapOvr>
+</p:notes>
+</file>
+
+<file path=ppt/notesSlides/notesSlide2.xml><?xml version="1.0" encoding="utf-8"?>
+<p:notes xmlns:a="http://schemas.openxmlformats.org/drawingml/2006/main" xmlns:r="http://schemas.openxmlformats.org/officeDocument/2006/relationships" xmlns:p="http://schemas.openxmlformats.org/presentationml/2006/main">
+  <p:cSld>
+    <p:spTree>
+      <p:nvGrpSpPr>
+        <p:cNvPr id="1" name=""/>
+        <p:cNvGrpSpPr/>
+        <p:nvPr/>
+      </p:nvGrpSpPr>
+      <p:grpSpPr>
+        <a:xfrm>
+          <a:off x="0" y="0"/>
+          <a:ext cx="0" cy="0"/>
+          <a:chOff x="0" y="0"/>
+          <a:chExt cx="0" cy="0"/>
+        </a:xfrm>
+      </p:grpSpPr>
+      <p:sp>
+        <p:nvSpPr>
+          <p:cNvPr id="2" name="Slide Image Placeholder 1"/>
+          <p:cNvSpPr>
+            <a:spLocks noGrp="1" noRot="1" noChangeAspect="1"/>
+          </p:cNvSpPr>
+          <p:nvPr>
+            <p:ph type="sldImg"/>
+          </p:nvPr>
+        </p:nvSpPr>
+        <p:spPr/>
+      </p:sp>
+      <p:sp>
+        <p:nvSpPr>
+          <p:cNvPr id="3" name="Notes Placeholder 2"/>
+          <p:cNvSpPr>
+            <a:spLocks noGrp="1"/>
+          </p:cNvSpPr>
+          <p:nvPr>
+            <p:ph type="body" idx="1"/>
+          </p:nvPr>
+        </p:nvSpPr>
+        <p:spPr/>
+        <p:txBody>
+          <a:bodyPr/>
+          <a:lstStyle/>
+          <a:p>
+            <a:r>
+              <a:rPr lang="en-US" dirty="0" smtClean="0"/>
+              <a:t>Daniel: We did stand-up meetings whenever we</a:t>
+            </a:r>
+            <a:r>
+              <a:rPr lang="en-US" baseline="0" dirty="0" smtClean="0"/>
+              <a:t> needed to catch up on what everybody else has been doing. </a:t>
+            </a:r>
+            <a:endParaRPr lang="en-US" dirty="0"/>
+          </a:p>
+        </p:txBody>
+      </p:sp>
+      <p:sp>
+        <p:nvSpPr>
+          <p:cNvPr id="4" name="Slide Number Placeholder 3"/>
+          <p:cNvSpPr>
+            <a:spLocks noGrp="1"/>
+          </p:cNvSpPr>
+          <p:nvPr>
+            <p:ph type="sldNum" sz="quarter" idx="10"/>
+          </p:nvPr>
+        </p:nvSpPr>
+        <p:spPr/>
+        <p:txBody>
+          <a:bodyPr/>
+          <a:lstStyle/>
+          <a:p>
+            <a:fld id="{D97DACBB-C1EC-44A4-A369-2D47DEB10D13}" type="slidenum">
+              <a:rPr lang="en-US" smtClean="0"/>
+              <a:t>2</a:t>
+            </a:fld>
+            <a:endParaRPr lang="en-US"/>
+          </a:p>
+        </p:txBody>
+      </p:sp>
+    </p:spTree>
+    <p:extLst>
+      <p:ext uri="{BB962C8B-B14F-4D97-AF65-F5344CB8AC3E}">
+        <p14:creationId xmlns:p14="http://schemas.microsoft.com/office/powerpoint/2010/main" val="3040684541"/>
+      </p:ext>
+    </p:extLst>
+  </p:cSld>
+  <p:clrMapOvr>
+    <a:masterClrMapping/>
+  </p:clrMapOvr>
+</p:notes>
+</file>
+
+<file path=ppt/notesSlides/notesSlide3.xml><?xml version="1.0" encoding="utf-8"?>
+<p:notes xmlns:a="http://schemas.openxmlformats.org/drawingml/2006/main" xmlns:r="http://schemas.openxmlformats.org/officeDocument/2006/relationships" xmlns:p="http://schemas.openxmlformats.org/presentationml/2006/main">
+  <p:cSld>
+    <p:spTree>
+      <p:nvGrpSpPr>
+        <p:cNvPr id="1" name=""/>
+        <p:cNvGrpSpPr/>
+        <p:nvPr/>
+      </p:nvGrpSpPr>
+      <p:grpSpPr>
+        <a:xfrm>
+          <a:off x="0" y="0"/>
+          <a:ext cx="0" cy="0"/>
+          <a:chOff x="0" y="0"/>
+          <a:chExt cx="0" cy="0"/>
+        </a:xfrm>
+      </p:grpSpPr>
+      <p:sp>
+        <p:nvSpPr>
+          <p:cNvPr id="2" name="Slide Image Placeholder 1"/>
+          <p:cNvSpPr>
+            <a:spLocks noGrp="1" noRot="1" noChangeAspect="1"/>
+          </p:cNvSpPr>
+          <p:nvPr>
+            <p:ph type="sldImg"/>
+          </p:nvPr>
+        </p:nvSpPr>
+        <p:spPr/>
+      </p:sp>
+      <p:sp>
+        <p:nvSpPr>
+          <p:cNvPr id="3" name="Notes Placeholder 2"/>
+          <p:cNvSpPr>
+            <a:spLocks noGrp="1"/>
+          </p:cNvSpPr>
+          <p:nvPr>
+            <p:ph type="body" idx="1"/>
+          </p:nvPr>
+        </p:nvSpPr>
+        <p:spPr/>
+        <p:txBody>
+          <a:bodyPr/>
+          <a:lstStyle/>
+          <a:p>
+            <a:r>
+              <a:rPr lang="en-US" dirty="0" smtClean="0"/>
+              <a:t>Daniel</a:t>
+            </a:r>
+            <a:endParaRPr lang="en-US" dirty="0"/>
+          </a:p>
+        </p:txBody>
+      </p:sp>
+      <p:sp>
+        <p:nvSpPr>
+          <p:cNvPr id="4" name="Slide Number Placeholder 3"/>
+          <p:cNvSpPr>
+            <a:spLocks noGrp="1"/>
+          </p:cNvSpPr>
+          <p:nvPr>
+            <p:ph type="sldNum" sz="quarter" idx="10"/>
+          </p:nvPr>
+        </p:nvSpPr>
+        <p:spPr/>
+        <p:txBody>
+          <a:bodyPr/>
+          <a:lstStyle/>
+          <a:p>
+            <a:fld id="{D97DACBB-C1EC-44A4-A369-2D47DEB10D13}" type="slidenum">
+              <a:rPr lang="en-US" smtClean="0"/>
+              <a:t>3</a:t>
+            </a:fld>
+            <a:endParaRPr lang="en-US"/>
+          </a:p>
+        </p:txBody>
+      </p:sp>
+    </p:spTree>
+    <p:extLst>
+      <p:ext uri="{BB962C8B-B14F-4D97-AF65-F5344CB8AC3E}">
+        <p14:creationId xmlns:p14="http://schemas.microsoft.com/office/powerpoint/2010/main" val="4094435710"/>
+      </p:ext>
+    </p:extLst>
+  </p:cSld>
+  <p:clrMapOvr>
+    <a:masterClrMapping/>
+  </p:clrMapOvr>
+</p:notes>
+</file>
+
+<file path=ppt/notesSlides/notesSlide4.xml><?xml version="1.0" encoding="utf-8"?>
+<p:notes xmlns:a="http://schemas.openxmlformats.org/drawingml/2006/main" xmlns:r="http://schemas.openxmlformats.org/officeDocument/2006/relationships" xmlns:p="http://schemas.openxmlformats.org/presentationml/2006/main">
+  <p:cSld>
+    <p:spTree>
+      <p:nvGrpSpPr>
+        <p:cNvPr id="1" name=""/>
+        <p:cNvGrpSpPr/>
+        <p:nvPr/>
+      </p:nvGrpSpPr>
+      <p:grpSpPr>
+        <a:xfrm>
+          <a:off x="0" y="0"/>
+          <a:ext cx="0" cy="0"/>
+          <a:chOff x="0" y="0"/>
+          <a:chExt cx="0" cy="0"/>
+        </a:xfrm>
+      </p:grpSpPr>
+      <p:sp>
+        <p:nvSpPr>
+          <p:cNvPr id="2" name="Slide Image Placeholder 1"/>
+          <p:cNvSpPr>
+            <a:spLocks noGrp="1" noRot="1" noChangeAspect="1"/>
+          </p:cNvSpPr>
+          <p:nvPr>
+            <p:ph type="sldImg"/>
+          </p:nvPr>
+        </p:nvSpPr>
+        <p:spPr/>
+      </p:sp>
+      <p:sp>
+        <p:nvSpPr>
+          <p:cNvPr id="3" name="Notes Placeholder 2"/>
+          <p:cNvSpPr>
+            <a:spLocks noGrp="1"/>
+          </p:cNvSpPr>
+          <p:nvPr>
+            <p:ph type="body" idx="1"/>
+          </p:nvPr>
+        </p:nvSpPr>
+        <p:spPr/>
+        <p:txBody>
+          <a:bodyPr/>
+          <a:lstStyle/>
+          <a:p>
+            <a:r>
+              <a:rPr lang="en-US" dirty="0" smtClean="0"/>
+              <a:t>Zak</a:t>
+            </a:r>
+            <a:endParaRPr lang="en-US" dirty="0"/>
+          </a:p>
+        </p:txBody>
+      </p:sp>
+      <p:sp>
+        <p:nvSpPr>
+          <p:cNvPr id="4" name="Slide Number Placeholder 3"/>
+          <p:cNvSpPr>
+            <a:spLocks noGrp="1"/>
+          </p:cNvSpPr>
+          <p:nvPr>
+            <p:ph type="sldNum" sz="quarter" idx="10"/>
+          </p:nvPr>
+        </p:nvSpPr>
+        <p:spPr/>
+        <p:txBody>
+          <a:bodyPr/>
+          <a:lstStyle/>
+          <a:p>
+            <a:fld id="{D97DACBB-C1EC-44A4-A369-2D47DEB10D13}" type="slidenum">
+              <a:rPr lang="en-US" smtClean="0"/>
+              <a:t>4</a:t>
+            </a:fld>
+            <a:endParaRPr lang="en-US"/>
+          </a:p>
+        </p:txBody>
+      </p:sp>
+    </p:spTree>
+    <p:extLst>
+      <p:ext uri="{BB962C8B-B14F-4D97-AF65-F5344CB8AC3E}">
+        <p14:creationId xmlns:p14="http://schemas.microsoft.com/office/powerpoint/2010/main" val="707453546"/>
+      </p:ext>
+    </p:extLst>
+  </p:cSld>
+  <p:clrMapOvr>
+    <a:masterClrMapping/>
+  </p:clrMapOvr>
+</p:notes>
+</file>
+
+<file path=ppt/notesSlides/notesSlide5.xml><?xml version="1.0" encoding="utf-8"?>
+<p:notes xmlns:a="http://schemas.openxmlformats.org/drawingml/2006/main" xmlns:r="http://schemas.openxmlformats.org/officeDocument/2006/relationships" xmlns:p="http://schemas.openxmlformats.org/presentationml/2006/main">
+  <p:cSld>
+    <p:spTree>
+      <p:nvGrpSpPr>
+        <p:cNvPr id="1" name=""/>
+        <p:cNvGrpSpPr/>
+        <p:nvPr/>
+      </p:nvGrpSpPr>
+      <p:grpSpPr>
+        <a:xfrm>
+          <a:off x="0" y="0"/>
+          <a:ext cx="0" cy="0"/>
+          <a:chOff x="0" y="0"/>
+          <a:chExt cx="0" cy="0"/>
+        </a:xfrm>
+      </p:grpSpPr>
+      <p:sp>
+        <p:nvSpPr>
+          <p:cNvPr id="2" name="Slide Image Placeholder 1"/>
+          <p:cNvSpPr>
+            <a:spLocks noGrp="1" noRot="1" noChangeAspect="1"/>
+          </p:cNvSpPr>
+          <p:nvPr>
+            <p:ph type="sldImg"/>
+          </p:nvPr>
+        </p:nvSpPr>
+        <p:spPr/>
+      </p:sp>
+      <p:sp>
+        <p:nvSpPr>
+          <p:cNvPr id="3" name="Notes Placeholder 2"/>
+          <p:cNvSpPr>
+            <a:spLocks noGrp="1"/>
+          </p:cNvSpPr>
+          <p:nvPr>
+            <p:ph type="body" idx="1"/>
+          </p:nvPr>
+        </p:nvSpPr>
+        <p:spPr/>
+        <p:txBody>
+          <a:bodyPr/>
+          <a:lstStyle/>
+          <a:p>
+            <a:r>
+              <a:rPr lang="en-US" dirty="0" smtClean="0"/>
+              <a:t>Zak</a:t>
+            </a:r>
+            <a:endParaRPr lang="en-US" dirty="0"/>
+          </a:p>
+        </p:txBody>
+      </p:sp>
+      <p:sp>
+        <p:nvSpPr>
+          <p:cNvPr id="4" name="Slide Number Placeholder 3"/>
+          <p:cNvSpPr>
+            <a:spLocks noGrp="1"/>
+          </p:cNvSpPr>
+          <p:nvPr>
+            <p:ph type="sldNum" sz="quarter" idx="10"/>
+          </p:nvPr>
+        </p:nvSpPr>
+        <p:spPr/>
+        <p:txBody>
+          <a:bodyPr/>
+          <a:lstStyle/>
+          <a:p>
+            <a:fld id="{D97DACBB-C1EC-44A4-A369-2D47DEB10D13}" type="slidenum">
+              <a:rPr lang="en-US" smtClean="0"/>
+              <a:t>5</a:t>
+            </a:fld>
+            <a:endParaRPr lang="en-US"/>
+          </a:p>
+        </p:txBody>
+      </p:sp>
+    </p:spTree>
+    <p:extLst>
+      <p:ext uri="{BB962C8B-B14F-4D97-AF65-F5344CB8AC3E}">
+        <p14:creationId xmlns:p14="http://schemas.microsoft.com/office/powerpoint/2010/main" val="1355470666"/>
+      </p:ext>
+    </p:extLst>
+  </p:cSld>
+  <p:clrMapOvr>
+    <a:masterClrMapping/>
+  </p:clrMapOvr>
+</p:notes>
+</file>
+
+<file path=ppt/notesSlides/notesSlide6.xml><?xml version="1.0" encoding="utf-8"?>
+<p:notes xmlns:a="http://schemas.openxmlformats.org/drawingml/2006/main" xmlns:r="http://schemas.openxmlformats.org/officeDocument/2006/relationships" xmlns:p="http://schemas.openxmlformats.org/presentationml/2006/main">
+  <p:cSld>
+    <p:spTree>
+      <p:nvGrpSpPr>
+        <p:cNvPr id="1" name=""/>
+        <p:cNvGrpSpPr/>
+        <p:nvPr/>
+      </p:nvGrpSpPr>
+      <p:grpSpPr>
+        <a:xfrm>
+          <a:off x="0" y="0"/>
+          <a:ext cx="0" cy="0"/>
+          <a:chOff x="0" y="0"/>
+          <a:chExt cx="0" cy="0"/>
+        </a:xfrm>
+      </p:grpSpPr>
+      <p:sp>
+        <p:nvSpPr>
+          <p:cNvPr id="2" name="Slide Image Placeholder 1"/>
+          <p:cNvSpPr>
+            <a:spLocks noGrp="1" noRot="1" noChangeAspect="1"/>
+          </p:cNvSpPr>
+          <p:nvPr>
+            <p:ph type="sldImg"/>
+          </p:nvPr>
+        </p:nvSpPr>
+        <p:spPr/>
+      </p:sp>
+      <p:sp>
+        <p:nvSpPr>
+          <p:cNvPr id="3" name="Notes Placeholder 2"/>
+          <p:cNvSpPr>
+            <a:spLocks noGrp="1"/>
+          </p:cNvSpPr>
+          <p:nvPr>
+            <p:ph type="body" idx="1"/>
+          </p:nvPr>
+        </p:nvSpPr>
+        <p:spPr/>
+        <p:txBody>
+          <a:bodyPr/>
+          <a:lstStyle/>
+          <a:p>
+            <a:r>
+              <a:rPr lang="en-US" dirty="0" smtClean="0"/>
+              <a:t>Alex</a:t>
+            </a:r>
+            <a:endParaRPr lang="en-US" dirty="0"/>
+          </a:p>
+        </p:txBody>
+      </p:sp>
+      <p:sp>
+        <p:nvSpPr>
+          <p:cNvPr id="4" name="Slide Number Placeholder 3"/>
+          <p:cNvSpPr>
+            <a:spLocks noGrp="1"/>
+          </p:cNvSpPr>
+          <p:nvPr>
+            <p:ph type="sldNum" sz="quarter" idx="10"/>
+          </p:nvPr>
+        </p:nvSpPr>
+        <p:spPr/>
+        <p:txBody>
+          <a:bodyPr/>
+          <a:lstStyle/>
+          <a:p>
+            <a:fld id="{D97DACBB-C1EC-44A4-A369-2D47DEB10D13}" type="slidenum">
+              <a:rPr lang="en-US" smtClean="0"/>
+              <a:t>6</a:t>
+            </a:fld>
+            <a:endParaRPr lang="en-US"/>
+          </a:p>
+        </p:txBody>
+      </p:sp>
+    </p:spTree>
+    <p:extLst>
+      <p:ext uri="{BB962C8B-B14F-4D97-AF65-F5344CB8AC3E}">
+        <p14:creationId xmlns:p14="http://schemas.microsoft.com/office/powerpoint/2010/main" val="2077966852"/>
+      </p:ext>
+    </p:extLst>
+  </p:cSld>
+  <p:clrMapOvr>
+    <a:masterClrMapping/>
+  </p:clrMapOvr>
+</p:notes>
+</file>
+
+<file path=ppt/notesSlides/notesSlide7.xml><?xml version="1.0" encoding="utf-8"?>
+<p:notes xmlns:a="http://schemas.openxmlformats.org/drawingml/2006/main" xmlns:r="http://schemas.openxmlformats.org/officeDocument/2006/relationships" xmlns:p="http://schemas.openxmlformats.org/presentationml/2006/main">
+  <p:cSld>
+    <p:spTree>
+      <p:nvGrpSpPr>
+        <p:cNvPr id="1" name=""/>
+        <p:cNvGrpSpPr/>
+        <p:nvPr/>
+      </p:nvGrpSpPr>
+      <p:grpSpPr>
+        <a:xfrm>
+          <a:off x="0" y="0"/>
+          <a:ext cx="0" cy="0"/>
+          <a:chOff x="0" y="0"/>
+          <a:chExt cx="0" cy="0"/>
+        </a:xfrm>
+      </p:grpSpPr>
+      <p:sp>
+        <p:nvSpPr>
+          <p:cNvPr id="2" name="Slide Image Placeholder 1"/>
+          <p:cNvSpPr>
+            <a:spLocks noGrp="1" noRot="1" noChangeAspect="1"/>
+          </p:cNvSpPr>
+          <p:nvPr>
+            <p:ph type="sldImg"/>
+          </p:nvPr>
+        </p:nvSpPr>
+        <p:spPr/>
+      </p:sp>
+      <p:sp>
+        <p:nvSpPr>
+          <p:cNvPr id="3" name="Notes Placeholder 2"/>
+          <p:cNvSpPr>
+            <a:spLocks noGrp="1"/>
+          </p:cNvSpPr>
+          <p:nvPr>
+            <p:ph type="body" idx="1"/>
+          </p:nvPr>
+        </p:nvSpPr>
+        <p:spPr/>
+        <p:txBody>
+          <a:bodyPr/>
+          <a:lstStyle/>
+          <a:p>
+            <a:r>
+              <a:rPr lang="en-US" dirty="0" smtClean="0"/>
+              <a:t>Alex</a:t>
+            </a:r>
+            <a:endParaRPr lang="en-US" dirty="0"/>
+          </a:p>
+        </p:txBody>
+      </p:sp>
+      <p:sp>
+        <p:nvSpPr>
+          <p:cNvPr id="4" name="Slide Number Placeholder 3"/>
+          <p:cNvSpPr>
+            <a:spLocks noGrp="1"/>
+          </p:cNvSpPr>
+          <p:nvPr>
+            <p:ph type="sldNum" sz="quarter" idx="10"/>
+          </p:nvPr>
+        </p:nvSpPr>
+        <p:spPr/>
+        <p:txBody>
+          <a:bodyPr/>
+          <a:lstStyle/>
+          <a:p>
+            <a:fld id="{D97DACBB-C1EC-44A4-A369-2D47DEB10D13}" type="slidenum">
+              <a:rPr lang="en-US" smtClean="0"/>
+              <a:t>7</a:t>
+            </a:fld>
+            <a:endParaRPr lang="en-US"/>
+          </a:p>
+        </p:txBody>
+      </p:sp>
+    </p:spTree>
+    <p:extLst>
+      <p:ext uri="{BB962C8B-B14F-4D97-AF65-F5344CB8AC3E}">
+        <p14:creationId xmlns:p14="http://schemas.microsoft.com/office/powerpoint/2010/main" val="422464562"/>
+      </p:ext>
+    </p:extLst>
+  </p:cSld>
+  <p:clrMapOvr>
+    <a:masterClrMapping/>
+  </p:clrMapOvr>
+</p:notes>
+</file>
+
+<file path=ppt/notesSlides/notesSlide8.xml><?xml version="1.0" encoding="utf-8"?>
+<p:notes xmlns:a="http://schemas.openxmlformats.org/drawingml/2006/main" xmlns:r="http://schemas.openxmlformats.org/officeDocument/2006/relationships" xmlns:p="http://schemas.openxmlformats.org/presentationml/2006/main">
+  <p:cSld>
+    <p:spTree>
+      <p:nvGrpSpPr>
+        <p:cNvPr id="1" name=""/>
+        <p:cNvGrpSpPr/>
+        <p:nvPr/>
+      </p:nvGrpSpPr>
+      <p:grpSpPr>
+        <a:xfrm>
+          <a:off x="0" y="0"/>
+          <a:ext cx="0" cy="0"/>
+          <a:chOff x="0" y="0"/>
+          <a:chExt cx="0" cy="0"/>
+        </a:xfrm>
+      </p:grpSpPr>
+      <p:sp>
+        <p:nvSpPr>
+          <p:cNvPr id="2" name="Slide Image Placeholder 1"/>
+          <p:cNvSpPr>
+            <a:spLocks noGrp="1" noRot="1" noChangeAspect="1"/>
+          </p:cNvSpPr>
+          <p:nvPr>
+            <p:ph type="sldImg"/>
+          </p:nvPr>
+        </p:nvSpPr>
+        <p:spPr/>
+      </p:sp>
+      <p:sp>
+        <p:nvSpPr>
+          <p:cNvPr id="3" name="Notes Placeholder 2"/>
+          <p:cNvSpPr>
+            <a:spLocks noGrp="1"/>
+          </p:cNvSpPr>
+          <p:nvPr>
+            <p:ph type="body" idx="1"/>
+          </p:nvPr>
+        </p:nvSpPr>
+        <p:spPr/>
+        <p:txBody>
+          <a:bodyPr/>
+          <a:lstStyle/>
+          <a:p>
+            <a:r>
+              <a:rPr lang="en-US" dirty="0" smtClean="0"/>
+              <a:t>Zak</a:t>
+            </a:r>
+            <a:endParaRPr lang="en-US" dirty="0"/>
+          </a:p>
+        </p:txBody>
+      </p:sp>
+      <p:sp>
+        <p:nvSpPr>
+          <p:cNvPr id="4" name="Slide Number Placeholder 3"/>
+          <p:cNvSpPr>
+            <a:spLocks noGrp="1"/>
+          </p:cNvSpPr>
+          <p:nvPr>
+            <p:ph type="sldNum" sz="quarter" idx="10"/>
+          </p:nvPr>
+        </p:nvSpPr>
+        <p:spPr/>
+        <p:txBody>
+          <a:bodyPr/>
+          <a:lstStyle/>
+          <a:p>
+            <a:fld id="{D97DACBB-C1EC-44A4-A369-2D47DEB10D13}" type="slidenum">
+              <a:rPr lang="en-US" smtClean="0"/>
+              <a:t>8</a:t>
+            </a:fld>
+            <a:endParaRPr lang="en-US"/>
+          </a:p>
+        </p:txBody>
+      </p:sp>
+    </p:spTree>
+    <p:extLst>
+      <p:ext uri="{BB962C8B-B14F-4D97-AF65-F5344CB8AC3E}">
+        <p14:creationId xmlns:p14="http://schemas.microsoft.com/office/powerpoint/2010/main" val="364223170"/>
+      </p:ext>
+    </p:extLst>
+  </p:cSld>
+  <p:clrMapOvr>
+    <a:masterClrMapping/>
+  </p:clrMapOvr>
+</p:notes>
+</file>
+
+<file path=ppt/notesSlides/notesSlide9.xml><?xml version="1.0" encoding="utf-8"?>
+<p:notes xmlns:a="http://schemas.openxmlformats.org/drawingml/2006/main" xmlns:r="http://schemas.openxmlformats.org/officeDocument/2006/relationships" xmlns:p="http://schemas.openxmlformats.org/presentationml/2006/main">
+  <p:cSld>
+    <p:spTree>
+      <p:nvGrpSpPr>
+        <p:cNvPr id="1" name=""/>
+        <p:cNvGrpSpPr/>
+        <p:nvPr/>
+      </p:nvGrpSpPr>
+      <p:grpSpPr>
+        <a:xfrm>
+          <a:off x="0" y="0"/>
+          <a:ext cx="0" cy="0"/>
+          <a:chOff x="0" y="0"/>
+          <a:chExt cx="0" cy="0"/>
+        </a:xfrm>
+      </p:grpSpPr>
+      <p:sp>
+        <p:nvSpPr>
+          <p:cNvPr id="2" name="Slide Image Placeholder 1"/>
+          <p:cNvSpPr>
+            <a:spLocks noGrp="1" noRot="1" noChangeAspect="1"/>
+          </p:cNvSpPr>
+          <p:nvPr>
+            <p:ph type="sldImg"/>
+          </p:nvPr>
+        </p:nvSpPr>
+        <p:spPr/>
+      </p:sp>
+      <p:sp>
+        <p:nvSpPr>
+          <p:cNvPr id="3" name="Notes Placeholder 2"/>
+          <p:cNvSpPr>
+            <a:spLocks noGrp="1"/>
+          </p:cNvSpPr>
+          <p:nvPr>
+            <p:ph type="body" idx="1"/>
+          </p:nvPr>
+        </p:nvSpPr>
+        <p:spPr/>
+        <p:txBody>
+          <a:bodyPr/>
+          <a:lstStyle/>
+          <a:p>
+            <a:r>
+              <a:rPr lang="en-US" dirty="0" smtClean="0"/>
+              <a:t>Daniel:</a:t>
+            </a:r>
+            <a:endParaRPr lang="en-US" dirty="0"/>
+          </a:p>
+        </p:txBody>
+      </p:sp>
+      <p:sp>
+        <p:nvSpPr>
+          <p:cNvPr id="4" name="Slide Number Placeholder 3"/>
+          <p:cNvSpPr>
+            <a:spLocks noGrp="1"/>
+          </p:cNvSpPr>
+          <p:nvPr>
+            <p:ph type="sldNum" sz="quarter" idx="10"/>
+          </p:nvPr>
+        </p:nvSpPr>
+        <p:spPr/>
+        <p:txBody>
+          <a:bodyPr/>
+          <a:lstStyle/>
+          <a:p>
+            <a:fld id="{D97DACBB-C1EC-44A4-A369-2D47DEB10D13}" type="slidenum">
+              <a:rPr lang="en-US" smtClean="0"/>
+              <a:t>9</a:t>
+            </a:fld>
+            <a:endParaRPr lang="en-US"/>
+          </a:p>
+        </p:txBody>
+      </p:sp>
+    </p:spTree>
+    <p:extLst>
+      <p:ext uri="{BB962C8B-B14F-4D97-AF65-F5344CB8AC3E}">
+        <p14:creationId xmlns:p14="http://schemas.microsoft.com/office/powerpoint/2010/main" val="2473117802"/>
+      </p:ext>
+    </p:extLst>
+  </p:cSld>
+  <p:clrMapOvr>
+    <a:masterClrMapping/>
+  </p:clrMapOvr>
+</p:notes>
 </file>
 
 <file path=ppt/slideLayouts/slideLayout1.xml><?xml version="1.0" encoding="utf-8"?>
@@ -3190,7 +4435,12 @@
             <p:ph type="ctrTitle"/>
           </p:nvPr>
         </p:nvSpPr>
-        <p:spPr/>
+        <p:spPr>
+          <a:xfrm>
+            <a:off x="685800" y="1143000"/>
+            <a:ext cx="7543800" cy="2593975"/>
+          </a:xfrm>
+        </p:spPr>
         <p:txBody>
           <a:bodyPr/>
           <a:lstStyle/>
@@ -3213,30 +4463,35 @@
             <p:ph type="subTitle" idx="1"/>
           </p:nvPr>
         </p:nvSpPr>
-        <p:spPr/>
+        <p:spPr>
+          <a:xfrm>
+            <a:off x="685800" y="4038600"/>
+            <a:ext cx="6461760" cy="1371600"/>
+          </a:xfrm>
+        </p:spPr>
         <p:txBody>
           <a:bodyPr>
-            <a:normAutofit lnSpcReduction="10000"/>
+            <a:noAutofit/>
           </a:bodyPr>
           <a:lstStyle/>
           <a:p>
             <a:r>
-              <a:rPr lang="en-US" dirty="0" smtClean="0"/>
+              <a:rPr lang="en-US" sz="2400" dirty="0" smtClean="0"/>
               <a:t>Zak Collins</a:t>
             </a:r>
           </a:p>
           <a:p>
             <a:r>
-              <a:rPr lang="en-US" dirty="0" smtClean="0"/>
+              <a:rPr lang="en-US" sz="2400" dirty="0" smtClean="0"/>
               <a:t>Alex Cordero</a:t>
             </a:r>
           </a:p>
           <a:p>
             <a:r>
-              <a:rPr lang="en-US" dirty="0" smtClean="0"/>
+              <a:rPr lang="en-US" sz="2400" dirty="0" smtClean="0"/>
               <a:t>Daniel Strawn</a:t>
             </a:r>
-            <a:endParaRPr lang="en-US" dirty="0"/>
+            <a:endParaRPr lang="en-US" sz="2400" dirty="0"/>
           </a:p>
         </p:txBody>
       </p:sp>
@@ -3250,6 +4505,13 @@
   <p:clrMapOvr>
     <a:masterClrMapping/>
   </p:clrMapOvr>
+  <p:timing>
+    <p:tnLst>
+      <p:par>
+        <p:cTn id="1" dur="indefinite" restart="never" nodeType="tmRoot"/>
+      </p:par>
+    </p:tnLst>
+  </p:timing>
 </p:sld>
 </file>
 
@@ -3293,25 +4555,129 @@
           </a:p>
         </p:txBody>
       </p:sp>
-      <p:sp>
-        <p:nvSpPr>
-          <p:cNvPr id="3" name="Content Placeholder 2"/>
-          <p:cNvSpPr>
-            <a:spLocks noGrp="1"/>
-          </p:cNvSpPr>
-          <p:nvPr>
-            <p:ph idx="1"/>
-          </p:nvPr>
-        </p:nvSpPr>
-        <p:spPr/>
-        <p:txBody>
-          <a:bodyPr/>
-          <a:lstStyle/>
-          <a:p>
-            <a:endParaRPr lang="en-US" dirty="0"/>
-          </a:p>
-        </p:txBody>
-      </p:sp>
+      <p:pic>
+        <p:nvPicPr>
+          <p:cNvPr id="1026" name="Picture 2" descr="C:\Users\Zak\Documents\Zaks school\Software Methods and Tools\Fridge-Forager\Sample Images\App Screen 1.PNG"/>
+          <p:cNvPicPr>
+            <a:picLocks noChangeAspect="1" noChangeArrowheads="1"/>
+          </p:cNvPicPr>
+          <p:nvPr/>
+        </p:nvPicPr>
+        <p:blipFill>
+          <a:blip r:embed="rId3">
+            <a:extLst>
+              <a:ext uri="{28A0092B-C50C-407E-A947-70E740481C1C}">
+                <a14:useLocalDpi xmlns:a14="http://schemas.microsoft.com/office/drawing/2010/main" val="0"/>
+              </a:ext>
+            </a:extLst>
+          </a:blip>
+          <a:srcRect/>
+          <a:stretch>
+            <a:fillRect/>
+          </a:stretch>
+        </p:blipFill>
+        <p:spPr bwMode="auto">
+          <a:xfrm>
+            <a:off x="0" y="1611757"/>
+            <a:ext cx="2743200" cy="4069492"/>
+          </a:xfrm>
+          <a:prstGeom prst="rect">
+            <a:avLst/>
+          </a:prstGeom>
+          <a:noFill/>
+          <a:extLst>
+            <a:ext uri="{909E8E84-426E-40DD-AFC4-6F175D3DCCD1}">
+              <a14:hiddenFill xmlns:a14="http://schemas.microsoft.com/office/drawing/2010/main">
+                <a:solidFill>
+                  <a:srgbClr val="FFFFFF"/>
+                </a:solidFill>
+              </a14:hiddenFill>
+            </a:ext>
+          </a:extLst>
+        </p:spPr>
+      </p:pic>
+      <p:pic>
+        <p:nvPicPr>
+          <p:cNvPr id="1027" name="Picture 3" descr="C:\Users\Zak\Documents\Zaks school\Software Methods and Tools\Fridge-Forager\Sample Images\App Screen 2.PNG"/>
+          <p:cNvPicPr>
+            <a:picLocks noChangeAspect="1" noChangeArrowheads="1"/>
+          </p:cNvPicPr>
+          <p:nvPr/>
+        </p:nvPicPr>
+        <p:blipFill>
+          <a:blip r:embed="rId4">
+            <a:extLst>
+              <a:ext uri="{28A0092B-C50C-407E-A947-70E740481C1C}">
+                <a14:useLocalDpi xmlns:a14="http://schemas.microsoft.com/office/drawing/2010/main" val="0"/>
+              </a:ext>
+            </a:extLst>
+          </a:blip>
+          <a:srcRect/>
+          <a:stretch>
+            <a:fillRect/>
+          </a:stretch>
+        </p:blipFill>
+        <p:spPr bwMode="auto">
+          <a:xfrm>
+            <a:off x="2880360" y="1619254"/>
+            <a:ext cx="2751815" cy="4065744"/>
+          </a:xfrm>
+          <a:prstGeom prst="rect">
+            <a:avLst/>
+          </a:prstGeom>
+          <a:noFill/>
+          <a:extLst>
+            <a:ext uri="{909E8E84-426E-40DD-AFC4-6F175D3DCCD1}">
+              <a14:hiddenFill xmlns:a14="http://schemas.microsoft.com/office/drawing/2010/main">
+                <a:solidFill>
+                  <a:srgbClr val="FFFFFF"/>
+                </a:solidFill>
+              </a14:hiddenFill>
+            </a:ext>
+          </a:extLst>
+        </p:spPr>
+      </p:pic>
+      <p:pic>
+        <p:nvPicPr>
+          <p:cNvPr id="1028" name="Picture 4" descr="C:\Users\Zak\Documents\Zaks school\Software Methods and Tools\Fridge-Forager\Sample Images\App Screen 3.PNG"/>
+          <p:cNvPicPr>
+            <a:picLocks noChangeAspect="1" noChangeArrowheads="1"/>
+          </p:cNvPicPr>
+          <p:nvPr/>
+        </p:nvPicPr>
+        <p:blipFill>
+          <a:blip r:embed="rId5">
+            <a:extLst>
+              <a:ext uri="{28A0092B-C50C-407E-A947-70E740481C1C}">
+                <a14:useLocalDpi xmlns:a14="http://schemas.microsoft.com/office/drawing/2010/main" val="0"/>
+              </a:ext>
+            </a:extLst>
+          </a:blip>
+          <a:srcRect/>
+          <a:stretch>
+            <a:fillRect/>
+          </a:stretch>
+        </p:blipFill>
+        <p:spPr bwMode="auto">
+          <a:xfrm>
+            <a:off x="5715000" y="1594267"/>
+            <a:ext cx="2765168" cy="4073241"/>
+          </a:xfrm>
+          <a:prstGeom prst="rect">
+            <a:avLst/>
+          </a:prstGeom>
+          <a:noFill/>
+          <a:extLst>
+            <a:ext uri="{909E8E84-426E-40DD-AFC4-6F175D3DCCD1}">
+              <a14:hiddenFill xmlns:a14="http://schemas.microsoft.com/office/drawing/2010/main">
+                <a:solidFill>
+                  <a:srgbClr val="FFFFFF"/>
+                </a:solidFill>
+              </a14:hiddenFill>
+            </a:ext>
+          </a:extLst>
+        </p:spPr>
+      </p:pic>
     </p:spTree>
     <p:extLst>
       <p:ext uri="{BB962C8B-B14F-4D97-AF65-F5344CB8AC3E}">
@@ -3322,6 +4688,13 @@
   <p:clrMapOvr>
     <a:masterClrMapping/>
   </p:clrMapOvr>
+  <p:timing>
+    <p:tnLst>
+      <p:par>
+        <p:cTn id="1" dur="indefinite" restart="never" nodeType="tmRoot"/>
+      </p:par>
+    </p:tnLst>
+  </p:timing>
 </p:sld>
 </file>
 
@@ -3420,7 +4793,7 @@
           <p:nvPr/>
         </p:nvPicPr>
         <p:blipFill>
-          <a:blip r:embed="rId2">
+          <a:blip r:embed="rId3">
             <a:extLst>
               <a:ext uri="{28A0092B-C50C-407E-A947-70E740481C1C}">
                 <a14:useLocalDpi xmlns:a14="http://schemas.microsoft.com/office/drawing/2010/main" val="0"/>
@@ -3462,6 +4835,13 @@
   <p:clrMapOvr>
     <a:masterClrMapping/>
   </p:clrMapOvr>
+  <p:timing>
+    <p:tnLst>
+      <p:par>
+        <p:cTn id="1" dur="indefinite" restart="never" nodeType="tmRoot"/>
+      </p:par>
+    </p:tnLst>
+  </p:timing>
 </p:sld>
 </file>
 
@@ -3522,13 +4902,20 @@
           <a:p>
             <a:r>
               <a:rPr lang="en-US" dirty="0" smtClean="0"/>
-              <a:t>Kind of a pain sometimes</a:t>
+              <a:t>Merge conflicts</a:t>
             </a:r>
           </a:p>
           <a:p>
             <a:r>
               <a:rPr lang="en-US" dirty="0" smtClean="0"/>
-              <a:t>Did what it is supposed to do</a:t>
+              <a:t>Learning curve</a:t>
+            </a:r>
+            <a:endParaRPr lang="en-US" dirty="0" smtClean="0"/>
+          </a:p>
+          <a:p>
+            <a:r>
+              <a:rPr lang="en-US" dirty="0" smtClean="0"/>
+              <a:t>Makes collaboration easier</a:t>
             </a:r>
             <a:endParaRPr lang="en-US" dirty="0"/>
           </a:p>
@@ -3543,7 +4930,7 @@
           <p:nvPr/>
         </p:nvPicPr>
         <p:blipFill>
-          <a:blip r:embed="rId2">
+          <a:blip r:embed="rId3">
             <a:extLst>
               <a:ext uri="{28A0092B-C50C-407E-A947-70E740481C1C}">
                 <a14:useLocalDpi xmlns:a14="http://schemas.microsoft.com/office/drawing/2010/main" val="0"/>
@@ -3585,6 +4972,13 @@
   <p:clrMapOvr>
     <a:masterClrMapping/>
   </p:clrMapOvr>
+  <p:timing>
+    <p:tnLst>
+      <p:par>
+        <p:cTn id="1" dur="indefinite" restart="never" nodeType="tmRoot"/>
+      </p:par>
+    </p:tnLst>
+  </p:timing>
 </p:sld>
 </file>
 
@@ -3675,17 +5069,13 @@
           <a:p>
             <a:r>
               <a:rPr lang="en-US" dirty="0" smtClean="0"/>
-              <a:t>Very easy to communicate who needs to do what</a:t>
-            </a:r>
-          </a:p>
-          <a:p>
+              <a:t>Very easy to communicate who needs to do </a:t>
+            </a:r>
             <a:r>
               <a:rPr lang="en-US" dirty="0" smtClean="0"/>
-              <a:t>Screenshot?</a:t>
-            </a:r>
-          </a:p>
-          <a:p>
-            <a:endParaRPr lang="en-US" dirty="0"/>
+              <a:t>what</a:t>
+            </a:r>
+            <a:endParaRPr lang="en-US" dirty="0" smtClean="0"/>
           </a:p>
         </p:txBody>
       </p:sp>
@@ -3698,7 +5088,7 @@
           <p:nvPr/>
         </p:nvPicPr>
         <p:blipFill>
-          <a:blip r:embed="rId2">
+          <a:blip r:embed="rId3">
             <a:extLst>
               <a:ext uri="{28A0092B-C50C-407E-A947-70E740481C1C}">
                 <a14:useLocalDpi xmlns:a14="http://schemas.microsoft.com/office/drawing/2010/main" val="0"/>
@@ -3740,6 +5130,13 @@
   <p:clrMapOvr>
     <a:masterClrMapping/>
   </p:clrMapOvr>
+  <p:timing>
+    <p:tnLst>
+      <p:par>
+        <p:cTn id="1" dur="indefinite" restart="never" nodeType="tmRoot"/>
+      </p:par>
+    </p:tnLst>
+  </p:timing>
 </p:sld>
 </file>
 
@@ -3800,7 +5197,23 @@
           <a:p>
             <a:r>
               <a:rPr lang="en-US" dirty="0" smtClean="0"/>
-              <a:t>None of us could get it to work</a:t>
+              <a:t>None of us could get it to </a:t>
+            </a:r>
+            <a:r>
+              <a:rPr lang="en-US" dirty="0" smtClean="0"/>
+              <a:t>work</a:t>
+            </a:r>
+          </a:p>
+          <a:p>
+            <a:r>
+              <a:rPr lang="en-US" dirty="0" smtClean="0"/>
+              <a:t>Emulator didn’t work</a:t>
+            </a:r>
+          </a:p>
+          <a:p>
+            <a:r>
+              <a:rPr lang="en-US" dirty="0" smtClean="0"/>
+              <a:t>Very hard to set up</a:t>
             </a:r>
             <a:endParaRPr lang="en-US" dirty="0"/>
           </a:p>
@@ -3815,7 +5228,7 @@
           <p:nvPr/>
         </p:nvPicPr>
         <p:blipFill>
-          <a:blip r:embed="rId2">
+          <a:blip r:embed="rId3">
             <a:extLst>
               <a:ext uri="{28A0092B-C50C-407E-A947-70E740481C1C}">
                 <a14:useLocalDpi xmlns:a14="http://schemas.microsoft.com/office/drawing/2010/main" val="0"/>
@@ -3857,6 +5270,13 @@
   <p:clrMapOvr>
     <a:masterClrMapping/>
   </p:clrMapOvr>
+  <p:timing>
+    <p:tnLst>
+      <p:par>
+        <p:cTn id="1" dur="indefinite" restart="never" nodeType="tmRoot"/>
+      </p:par>
+    </p:tnLst>
+  </p:timing>
 </p:sld>
 </file>
 
@@ -3917,31 +5337,34 @@
           <a:p>
             <a:r>
               <a:rPr lang="en-US" dirty="0" smtClean="0"/>
-              <a:t>Java</a:t>
+              <a:t>Android Framework built in</a:t>
             </a:r>
           </a:p>
           <a:p>
             <a:r>
               <a:rPr lang="en-US" dirty="0" smtClean="0"/>
-              <a:t>Android Framework</a:t>
-            </a:r>
-          </a:p>
-          <a:p>
+              <a:t>Java and XML</a:t>
+            </a:r>
+          </a:p>
+          <a:p>
+            <a:r>
+              <a:rPr lang="en-US" dirty="0"/>
+              <a:t>Lint Static </a:t>
+            </a:r>
             <a:r>
               <a:rPr lang="en-US" dirty="0" smtClean="0"/>
-              <a:t>XML</a:t>
-            </a:r>
+              <a:t>Analysis</a:t>
+            </a:r>
+            <a:endParaRPr lang="en-US" dirty="0" smtClean="0"/>
           </a:p>
           <a:p>
             <a:r>
               <a:rPr lang="en-US" dirty="0" smtClean="0"/>
-              <a:t>Emulator Very Slow</a:t>
-            </a:r>
-          </a:p>
-          <a:p>
+              <a:t>Emulator </a:t>
+            </a:r>
             <a:r>
               <a:rPr lang="en-US" dirty="0" smtClean="0"/>
-              <a:t>Lint Static Analysis</a:t>
+              <a:t>Very Slow</a:t>
             </a:r>
           </a:p>
           <a:p>
@@ -3958,7 +5381,7 @@
           <p:nvPr/>
         </p:nvPicPr>
         <p:blipFill>
-          <a:blip r:embed="rId2">
+          <a:blip r:embed="rId3">
             <a:extLst>
               <a:ext uri="{28A0092B-C50C-407E-A947-70E740481C1C}">
                 <a14:useLocalDpi xmlns:a14="http://schemas.microsoft.com/office/drawing/2010/main" val="0"/>
@@ -4000,6 +5423,13 @@
   <p:clrMapOvr>
     <a:masterClrMapping/>
   </p:clrMapOvr>
+  <p:timing>
+    <p:tnLst>
+      <p:par>
+        <p:cTn id="1" dur="indefinite" restart="never" nodeType="tmRoot"/>
+      </p:par>
+    </p:tnLst>
+  </p:timing>
 </p:sld>
 </file>
 
@@ -4036,6 +5466,136 @@
           <a:lstStyle/>
           <a:p>
             <a:r>
+              <a:rPr lang="en-US" dirty="0" err="1" smtClean="0"/>
+              <a:t>Javadoc</a:t>
+            </a:r>
+            <a:endParaRPr lang="en-US" dirty="0"/>
+          </a:p>
+        </p:txBody>
+      </p:sp>
+      <p:sp>
+        <p:nvSpPr>
+          <p:cNvPr id="3" name="Content Placeholder 2"/>
+          <p:cNvSpPr>
+            <a:spLocks noGrp="1"/>
+          </p:cNvSpPr>
+          <p:nvPr>
+            <p:ph idx="1"/>
+          </p:nvPr>
+        </p:nvSpPr>
+        <p:spPr/>
+        <p:txBody>
+          <a:bodyPr/>
+          <a:lstStyle/>
+          <a:p>
+            <a:r>
+              <a:rPr lang="en-US" dirty="0" smtClean="0"/>
+              <a:t>Built-in to Android Studio</a:t>
+            </a:r>
+          </a:p>
+          <a:p>
+            <a:r>
+              <a:rPr lang="en-US" dirty="0" smtClean="0"/>
+              <a:t>Super easy</a:t>
+            </a:r>
+            <a:endParaRPr lang="en-US" dirty="0"/>
+          </a:p>
+        </p:txBody>
+      </p:sp>
+      <p:pic>
+        <p:nvPicPr>
+          <p:cNvPr id="7170" name="Picture 2" descr="File:4 stars.svg"/>
+          <p:cNvPicPr>
+            <a:picLocks noChangeAspect="1" noChangeArrowheads="1"/>
+          </p:cNvPicPr>
+          <p:nvPr/>
+        </p:nvPicPr>
+        <p:blipFill>
+          <a:blip r:embed="rId3">
+            <a:extLst>
+              <a:ext uri="{28A0092B-C50C-407E-A947-70E740481C1C}">
+                <a14:useLocalDpi xmlns:a14="http://schemas.microsoft.com/office/drawing/2010/main" val="0"/>
+              </a:ext>
+            </a:extLst>
+          </a:blip>
+          <a:srcRect/>
+          <a:stretch>
+            <a:fillRect/>
+          </a:stretch>
+        </p:blipFill>
+        <p:spPr bwMode="auto">
+          <a:xfrm>
+            <a:off x="1524000" y="4876800"/>
+            <a:ext cx="5095875" cy="1047751"/>
+          </a:xfrm>
+          <a:prstGeom prst="rect">
+            <a:avLst/>
+          </a:prstGeom>
+          <a:noFill/>
+          <a:extLst>
+            <a:ext uri="{909E8E84-426E-40DD-AFC4-6F175D3DCCD1}">
+              <a14:hiddenFill xmlns:a14="http://schemas.microsoft.com/office/drawing/2010/main">
+                <a:solidFill>
+                  <a:srgbClr val="FFFFFF"/>
+                </a:solidFill>
+              </a14:hiddenFill>
+            </a:ext>
+          </a:extLst>
+        </p:spPr>
+      </p:pic>
+    </p:spTree>
+    <p:extLst>
+      <p:ext uri="{BB962C8B-B14F-4D97-AF65-F5344CB8AC3E}">
+        <p14:creationId xmlns:p14="http://schemas.microsoft.com/office/powerpoint/2010/main" val="3848391768"/>
+      </p:ext>
+    </p:extLst>
+  </p:cSld>
+  <p:clrMapOvr>
+    <a:masterClrMapping/>
+  </p:clrMapOvr>
+  <p:timing>
+    <p:tnLst>
+      <p:par>
+        <p:cTn id="1" dur="indefinite" restart="never" nodeType="tmRoot"/>
+      </p:par>
+    </p:tnLst>
+  </p:timing>
+</p:sld>
+</file>
+
+<file path=ppt/slides/slide8.xml><?xml version="1.0" encoding="utf-8"?>
+<p:sld xmlns:a="http://schemas.openxmlformats.org/drawingml/2006/main" xmlns:r="http://schemas.openxmlformats.org/officeDocument/2006/relationships" xmlns:p="http://schemas.openxmlformats.org/presentationml/2006/main">
+  <p:cSld>
+    <p:spTree>
+      <p:nvGrpSpPr>
+        <p:cNvPr id="1" name=""/>
+        <p:cNvGrpSpPr/>
+        <p:nvPr/>
+      </p:nvGrpSpPr>
+      <p:grpSpPr>
+        <a:xfrm>
+          <a:off x="0" y="0"/>
+          <a:ext cx="0" cy="0"/>
+          <a:chOff x="0" y="0"/>
+          <a:chExt cx="0" cy="0"/>
+        </a:xfrm>
+      </p:grpSpPr>
+      <p:sp>
+        <p:nvSpPr>
+          <p:cNvPr id="2" name="Title 1"/>
+          <p:cNvSpPr>
+            <a:spLocks noGrp="1"/>
+          </p:cNvSpPr>
+          <p:nvPr>
+            <p:ph type="title"/>
+          </p:nvPr>
+        </p:nvSpPr>
+        <p:spPr/>
+        <p:txBody>
+          <a:bodyPr/>
+          <a:lstStyle/>
+          <a:p>
+            <a:r>
               <a:rPr lang="en-US" dirty="0" smtClean="0"/>
               <a:t>Food2Fork API</a:t>
             </a:r>
@@ -4060,13 +5620,34 @@
           <a:p>
             <a:r>
               <a:rPr lang="en-US" dirty="0" smtClean="0"/>
-              <a:t>Thought about creating our own database</a:t>
-            </a:r>
-          </a:p>
-          <a:p>
+              <a:t>Thought about creating our own </a:t>
+            </a:r>
             <a:r>
               <a:rPr lang="en-US" dirty="0" smtClean="0"/>
-              <a:t>Recipes returned in JSON</a:t>
+              <a:t>database</a:t>
+            </a:r>
+          </a:p>
+          <a:p>
+            <a:r>
+              <a:rPr lang="en-US" dirty="0" smtClean="0"/>
+              <a:t>Searches based on ingredients</a:t>
+            </a:r>
+            <a:endParaRPr lang="en-US" dirty="0" smtClean="0"/>
+          </a:p>
+          <a:p>
+            <a:r>
+              <a:rPr lang="en-US" dirty="0" smtClean="0"/>
+              <a:t>Recipes returned in </a:t>
+            </a:r>
+            <a:r>
+              <a:rPr lang="en-US" dirty="0" smtClean="0"/>
+              <a:t>JSON format</a:t>
+            </a:r>
+          </a:p>
+          <a:p>
+            <a:r>
+              <a:rPr lang="en-US" dirty="0" smtClean="0"/>
+              <a:t>Directions not included – have to link to external site</a:t>
             </a:r>
             <a:endParaRPr lang="en-US" dirty="0"/>
           </a:p>
@@ -4081,7 +5662,7 @@
           <p:nvPr/>
         </p:nvPicPr>
         <p:blipFill>
-          <a:blip r:embed="rId2">
+          <a:blip r:embed="rId3">
             <a:extLst>
               <a:ext uri="{28A0092B-C50C-407E-A947-70E740481C1C}">
                 <a14:useLocalDpi xmlns:a14="http://schemas.microsoft.com/office/drawing/2010/main" val="0"/>
@@ -4123,129 +5704,13 @@
   <p:clrMapOvr>
     <a:masterClrMapping/>
   </p:clrMapOvr>
-</p:sld>
-</file>
-
-<file path=ppt/slides/slide8.xml><?xml version="1.0" encoding="utf-8"?>
-<p:sld xmlns:a="http://schemas.openxmlformats.org/drawingml/2006/main" xmlns:r="http://schemas.openxmlformats.org/officeDocument/2006/relationships" xmlns:p="http://schemas.openxmlformats.org/presentationml/2006/main">
-  <p:cSld>
-    <p:spTree>
-      <p:nvGrpSpPr>
-        <p:cNvPr id="1" name=""/>
-        <p:cNvGrpSpPr/>
-        <p:nvPr/>
-      </p:nvGrpSpPr>
-      <p:grpSpPr>
-        <a:xfrm>
-          <a:off x="0" y="0"/>
-          <a:ext cx="0" cy="0"/>
-          <a:chOff x="0" y="0"/>
-          <a:chExt cx="0" cy="0"/>
-        </a:xfrm>
-      </p:grpSpPr>
-      <p:sp>
-        <p:nvSpPr>
-          <p:cNvPr id="2" name="Title 1"/>
-          <p:cNvSpPr>
-            <a:spLocks noGrp="1"/>
-          </p:cNvSpPr>
-          <p:nvPr>
-            <p:ph type="title"/>
-          </p:nvPr>
-        </p:nvSpPr>
-        <p:spPr/>
-        <p:txBody>
-          <a:bodyPr/>
-          <a:lstStyle/>
-          <a:p>
-            <a:r>
-              <a:rPr lang="en-US" dirty="0" err="1" smtClean="0"/>
-              <a:t>Javadoc</a:t>
-            </a:r>
-            <a:endParaRPr lang="en-US" dirty="0"/>
-          </a:p>
-        </p:txBody>
-      </p:sp>
-      <p:sp>
-        <p:nvSpPr>
-          <p:cNvPr id="3" name="Content Placeholder 2"/>
-          <p:cNvSpPr>
-            <a:spLocks noGrp="1"/>
-          </p:cNvSpPr>
-          <p:nvPr>
-            <p:ph idx="1"/>
-          </p:nvPr>
-        </p:nvSpPr>
-        <p:spPr/>
-        <p:txBody>
-          <a:bodyPr/>
-          <a:lstStyle/>
-          <a:p>
-            <a:r>
-              <a:rPr lang="en-US" dirty="0" smtClean="0"/>
-              <a:t>Built-in to Android Studio</a:t>
-            </a:r>
-          </a:p>
-          <a:p>
-            <a:r>
-              <a:rPr lang="en-US" dirty="0" smtClean="0"/>
-              <a:t>Super easy</a:t>
-            </a:r>
-            <a:endParaRPr lang="en-US" dirty="0"/>
-          </a:p>
-        </p:txBody>
-      </p:sp>
-      <p:pic>
-        <p:nvPicPr>
-          <p:cNvPr id="7170" name="Picture 2" descr="File:4 stars.svg"/>
-          <p:cNvPicPr>
-            <a:picLocks noChangeAspect="1" noChangeArrowheads="1"/>
-          </p:cNvPicPr>
-          <p:nvPr/>
-        </p:nvPicPr>
-        <p:blipFill>
-          <a:blip r:embed="rId2">
-            <a:extLst>
-              <a:ext uri="{28A0092B-C50C-407E-A947-70E740481C1C}">
-                <a14:useLocalDpi xmlns:a14="http://schemas.microsoft.com/office/drawing/2010/main" val="0"/>
-              </a:ext>
-            </a:extLst>
-          </a:blip>
-          <a:srcRect/>
-          <a:stretch>
-            <a:fillRect/>
-          </a:stretch>
-        </p:blipFill>
-        <p:spPr bwMode="auto">
-          <a:xfrm>
-            <a:off x="1524000" y="4876800"/>
-            <a:ext cx="5095875" cy="1047751"/>
-          </a:xfrm>
-          <a:prstGeom prst="rect">
-            <a:avLst/>
-          </a:prstGeom>
-          <a:noFill/>
-          <a:extLst>
-            <a:ext uri="{909E8E84-426E-40DD-AFC4-6F175D3DCCD1}">
-              <a14:hiddenFill xmlns:a14="http://schemas.microsoft.com/office/drawing/2010/main">
-                <a:solidFill>
-                  <a:srgbClr val="FFFFFF"/>
-                </a:solidFill>
-              </a14:hiddenFill>
-            </a:ext>
-          </a:extLst>
-        </p:spPr>
-      </p:pic>
-    </p:spTree>
-    <p:extLst>
-      <p:ext uri="{BB962C8B-B14F-4D97-AF65-F5344CB8AC3E}">
-        <p14:creationId xmlns:p14="http://schemas.microsoft.com/office/powerpoint/2010/main" val="3848391768"/>
-      </p:ext>
-    </p:extLst>
-  </p:cSld>
-  <p:clrMapOvr>
-    <a:masterClrMapping/>
-  </p:clrMapOvr>
+  <p:timing>
+    <p:tnLst>
+      <p:par>
+        <p:cTn id="1" dur="indefinite" restart="never" nodeType="tmRoot"/>
+      </p:par>
+    </p:tnLst>
+  </p:timing>
 </p:sld>
 </file>
 
@@ -4336,6 +5801,13 @@
   <p:clrMapOvr>
     <a:masterClrMapping/>
   </p:clrMapOvr>
+  <p:timing>
+    <p:tnLst>
+      <p:par>
+        <p:cTn id="1" dur="indefinite" restart="never" nodeType="tmRoot"/>
+      </p:par>
+    </p:tnLst>
+  </p:timing>
 </p:sld>
 </file>
 
@@ -4570,4 +6042,289 @@
   <a:objectDefaults/>
   <a:extraClrSchemeLst/>
 </a:theme>
+</file>
+
+<file path=ppt/theme/theme2.xml><?xml version="1.0" encoding="utf-8"?>
+<a:theme xmlns:a="http://schemas.openxmlformats.org/drawingml/2006/main" name="Office Theme">
+  <a:themeElements>
+    <a:clrScheme name="Office">
+      <a:dk1>
+        <a:sysClr val="windowText" lastClr="000000"/>
+      </a:dk1>
+      <a:lt1>
+        <a:sysClr val="window" lastClr="FFFFFF"/>
+      </a:lt1>
+      <a:dk2>
+        <a:srgbClr val="1F497D"/>
+      </a:dk2>
+      <a:lt2>
+        <a:srgbClr val="EEECE1"/>
+      </a:lt2>
+      <a:accent1>
+        <a:srgbClr val="4F81BD"/>
+      </a:accent1>
+      <a:accent2>
+        <a:srgbClr val="C0504D"/>
+      </a:accent2>
+      <a:accent3>
+        <a:srgbClr val="9BBB59"/>
+      </a:accent3>
+      <a:accent4>
+        <a:srgbClr val="8064A2"/>
+      </a:accent4>
+      <a:accent5>
+        <a:srgbClr val="4BACC6"/>
+      </a:accent5>
+      <a:accent6>
+        <a:srgbClr val="F79646"/>
+      </a:accent6>
+      <a:hlink>
+        <a:srgbClr val="0000FF"/>
+      </a:hlink>
+      <a:folHlink>
+        <a:srgbClr val="800080"/>
+      </a:folHlink>
+    </a:clrScheme>
+    <a:fontScheme name="Office">
+      <a:majorFont>
+        <a:latin typeface="Calibri"/>
+        <a:ea typeface=""/>
+        <a:cs typeface=""/>
+        <a:font script="Jpan" typeface="ＭＳ Ｐゴシック"/>
+        <a:font script="Hang" typeface="맑은 고딕"/>
+        <a:font script="Hans" typeface="宋体"/>
+        <a:font script="Hant" typeface="新細明體"/>
+        <a:font script="Arab" typeface="Times New Roman"/>
+        <a:font script="Hebr" typeface="Times New Roman"/>
+        <a:font script="Thai" typeface="Angsana New"/>
+        <a:font script="Ethi" typeface="Nyala"/>
+        <a:font script="Beng" typeface="Vrinda"/>
+        <a:font script="Gujr" typeface="Shruti"/>
+        <a:font script="Khmr" typeface="MoolBoran"/>
+        <a:font script="Knda" typeface="Tunga"/>
+        <a:font script="Guru" typeface="Raavi"/>
+        <a:font script="Cans" typeface="Euphemia"/>
+        <a:font script="Cher" typeface="Plantagenet Cherokee"/>
+        <a:font script="Yiii" typeface="Microsoft Yi Baiti"/>
+        <a:font script="Tibt" typeface="Microsoft Himalaya"/>
+        <a:font script="Thaa" typeface="MV Boli"/>
+        <a:font script="Deva" typeface="Mangal"/>
+        <a:font script="Telu" typeface="Gautami"/>
+        <a:font script="Taml" typeface="Latha"/>
+        <a:font script="Syrc" typeface="Estrangelo Edessa"/>
+        <a:font script="Orya" typeface="Kalinga"/>
+        <a:font script="Mlym" typeface="Kartika"/>
+        <a:font script="Laoo" typeface="DokChampa"/>
+        <a:font script="Sinh" typeface="Iskoola Pota"/>
+        <a:font script="Mong" typeface="Mongolian Baiti"/>
+        <a:font script="Viet" typeface="Times New Roman"/>
+        <a:font script="Uigh" typeface="Microsoft Uighur"/>
+        <a:font script="Geor" typeface="Sylfaen"/>
+      </a:majorFont>
+      <a:minorFont>
+        <a:latin typeface="Calibri"/>
+        <a:ea typeface=""/>
+        <a:cs typeface=""/>
+        <a:font script="Jpan" typeface="ＭＳ Ｐゴシック"/>
+        <a:font script="Hang" typeface="맑은 고딕"/>
+        <a:font script="Hans" typeface="宋体"/>
+        <a:font script="Hant" typeface="新細明體"/>
+        <a:font script="Arab" typeface="Arial"/>
+        <a:font script="Hebr" typeface="Arial"/>
+        <a:font script="Thai" typeface="Cordia New"/>
+        <a:font script="Ethi" typeface="Nyala"/>
+        <a:font script="Beng" typeface="Vrinda"/>
+        <a:font script="Gujr" typeface="Shruti"/>
+        <a:font script="Khmr" typeface="DaunPenh"/>
+        <a:font script="Knda" typeface="Tunga"/>
+        <a:font script="Guru" typeface="Raavi"/>
+        <a:font script="Cans" typeface="Euphemia"/>
+        <a:font script="Cher" typeface="Plantagenet Cherokee"/>
+        <a:font script="Yiii" typeface="Microsoft Yi Baiti"/>
+        <a:font script="Tibt" typeface="Microsoft Himalaya"/>
+        <a:font script="Thaa" typeface="MV Boli"/>
+        <a:font script="Deva" typeface="Mangal"/>
+        <a:font script="Telu" typeface="Gautami"/>
+        <a:font script="Taml" typeface="Latha"/>
+        <a:font script="Syrc" typeface="Estrangelo Edessa"/>
+        <a:font script="Orya" typeface="Kalinga"/>
+        <a:font script="Mlym" typeface="Kartika"/>
+        <a:font script="Laoo" typeface="DokChampa"/>
+        <a:font script="Sinh" typeface="Iskoola Pota"/>
+        <a:font script="Mong" typeface="Mongolian Baiti"/>
+        <a:font script="Viet" typeface="Arial"/>
+        <a:font script="Uigh" typeface="Microsoft Uighur"/>
+        <a:font script="Geor" typeface="Sylfaen"/>
+      </a:minorFont>
+    </a:fontScheme>
+    <a:fmtScheme name="Office">
+      <a:fillStyleLst>
+        <a:solidFill>
+          <a:schemeClr val="phClr"/>
+        </a:solidFill>
+        <a:gradFill rotWithShape="1">
+          <a:gsLst>
+            <a:gs pos="0">
+              <a:schemeClr val="phClr">
+                <a:tint val="50000"/>
+                <a:satMod val="300000"/>
+              </a:schemeClr>
+            </a:gs>
+            <a:gs pos="35000">
+              <a:schemeClr val="phClr">
+                <a:tint val="37000"/>
+                <a:satMod val="300000"/>
+              </a:schemeClr>
+            </a:gs>
+            <a:gs pos="100000">
+              <a:schemeClr val="phClr">
+                <a:tint val="15000"/>
+                <a:satMod val="350000"/>
+              </a:schemeClr>
+            </a:gs>
+          </a:gsLst>
+          <a:lin ang="16200000" scaled="1"/>
+        </a:gradFill>
+        <a:gradFill rotWithShape="1">
+          <a:gsLst>
+            <a:gs pos="0">
+              <a:schemeClr val="phClr">
+                <a:shade val="51000"/>
+                <a:satMod val="130000"/>
+              </a:schemeClr>
+            </a:gs>
+            <a:gs pos="80000">
+              <a:schemeClr val="phClr">
+                <a:shade val="93000"/>
+                <a:satMod val="130000"/>
+              </a:schemeClr>
+            </a:gs>
+            <a:gs pos="100000">
+              <a:schemeClr val="phClr">
+                <a:shade val="94000"/>
+                <a:satMod val="135000"/>
+              </a:schemeClr>
+            </a:gs>
+          </a:gsLst>
+          <a:lin ang="16200000" scaled="0"/>
+        </a:gradFill>
+      </a:fillStyleLst>
+      <a:lnStyleLst>
+        <a:ln w="9525" cap="flat" cmpd="sng" algn="ctr">
+          <a:solidFill>
+            <a:schemeClr val="phClr">
+              <a:shade val="95000"/>
+              <a:satMod val="105000"/>
+            </a:schemeClr>
+          </a:solidFill>
+          <a:prstDash val="solid"/>
+        </a:ln>
+        <a:ln w="25400" cap="flat" cmpd="sng" algn="ctr">
+          <a:solidFill>
+            <a:schemeClr val="phClr"/>
+          </a:solidFill>
+          <a:prstDash val="solid"/>
+        </a:ln>
+        <a:ln w="38100" cap="flat" cmpd="sng" algn="ctr">
+          <a:solidFill>
+            <a:schemeClr val="phClr"/>
+          </a:solidFill>
+          <a:prstDash val="solid"/>
+        </a:ln>
+      </a:lnStyleLst>
+      <a:effectStyleLst>
+        <a:effectStyle>
+          <a:effectLst>
+            <a:outerShdw blurRad="40000" dist="20000" dir="5400000" rotWithShape="0">
+              <a:srgbClr val="000000">
+                <a:alpha val="38000"/>
+              </a:srgbClr>
+            </a:outerShdw>
+          </a:effectLst>
+        </a:effectStyle>
+        <a:effectStyle>
+          <a:effectLst>
+            <a:outerShdw blurRad="40000" dist="23000" dir="5400000" rotWithShape="0">
+              <a:srgbClr val="000000">
+                <a:alpha val="35000"/>
+              </a:srgbClr>
+            </a:outerShdw>
+          </a:effectLst>
+        </a:effectStyle>
+        <a:effectStyle>
+          <a:effectLst>
+            <a:outerShdw blurRad="40000" dist="23000" dir="5400000" rotWithShape="0">
+              <a:srgbClr val="000000">
+                <a:alpha val="35000"/>
+              </a:srgbClr>
+            </a:outerShdw>
+          </a:effectLst>
+          <a:scene3d>
+            <a:camera prst="orthographicFront">
+              <a:rot lat="0" lon="0" rev="0"/>
+            </a:camera>
+            <a:lightRig rig="threePt" dir="t">
+              <a:rot lat="0" lon="0" rev="1200000"/>
+            </a:lightRig>
+          </a:scene3d>
+          <a:sp3d>
+            <a:bevelT w="63500" h="25400"/>
+          </a:sp3d>
+        </a:effectStyle>
+      </a:effectStyleLst>
+      <a:bgFillStyleLst>
+        <a:solidFill>
+          <a:schemeClr val="phClr"/>
+        </a:solidFill>
+        <a:gradFill rotWithShape="1">
+          <a:gsLst>
+            <a:gs pos="0">
+              <a:schemeClr val="phClr">
+                <a:tint val="40000"/>
+                <a:satMod val="350000"/>
+              </a:schemeClr>
+            </a:gs>
+            <a:gs pos="40000">
+              <a:schemeClr val="phClr">
+                <a:tint val="45000"/>
+                <a:shade val="99000"/>
+                <a:satMod val="350000"/>
+              </a:schemeClr>
+            </a:gs>
+            <a:gs pos="100000">
+              <a:schemeClr val="phClr">
+                <a:shade val="20000"/>
+                <a:satMod val="255000"/>
+              </a:schemeClr>
+            </a:gs>
+          </a:gsLst>
+          <a:path path="circle">
+            <a:fillToRect l="50000" t="-80000" r="50000" b="180000"/>
+          </a:path>
+        </a:gradFill>
+        <a:gradFill rotWithShape="1">
+          <a:gsLst>
+            <a:gs pos="0">
+              <a:schemeClr val="phClr">
+                <a:tint val="80000"/>
+                <a:satMod val="300000"/>
+              </a:schemeClr>
+            </a:gs>
+            <a:gs pos="100000">
+              <a:schemeClr val="phClr">
+                <a:shade val="30000"/>
+                <a:satMod val="200000"/>
+              </a:schemeClr>
+            </a:gs>
+          </a:gsLst>
+          <a:path path="circle">
+            <a:fillToRect l="50000" t="50000" r="50000" b="50000"/>
+          </a:path>
+        </a:gradFill>
+      </a:bgFillStyleLst>
+    </a:fmtScheme>
+  </a:themeElements>
+  <a:objectDefaults/>
+  <a:extraClrSchemeLst/>
+</a:theme>
 </file>